--- a/Later/Spring/6_Spring_Auto_Component_Scanning/7/Spring Auto-Wiring Beans with @Autowired field.pptx
+++ b/Later/Spring/6_Spring_Auto_Component_Scanning/7/Spring Auto-Wiring Beans with @Autowired field.pptx
@@ -4471,143 +4471,6 @@
       </p:sp>
       <p:sp>
         <p:nvSpPr>
-          <p:cNvPr id="10" name="Rectangle 9"/>
-          <p:cNvSpPr/>
-          <p:nvPr/>
-        </p:nvSpPr>
-        <p:spPr>
-          <a:xfrm>
-            <a:off x="2667000" y="35738"/>
-            <a:ext cx="3810000" cy="276999"/>
-          </a:xfrm>
-          <a:prstGeom prst="rect">
-            <a:avLst/>
-          </a:prstGeom>
-        </p:spPr>
-        <p:style>
-          <a:lnRef idx="1">
-            <a:schemeClr val="accent4"/>
-          </a:lnRef>
-          <a:fillRef idx="3">
-            <a:schemeClr val="accent4"/>
-          </a:fillRef>
-          <a:effectRef idx="2">
-            <a:schemeClr val="accent4"/>
-          </a:effectRef>
-          <a:fontRef idx="minor">
-            <a:schemeClr val="lt1"/>
-          </a:fontRef>
-        </p:style>
-        <p:txBody>
-          <a:bodyPr wrap="square">
-            <a:spAutoFit/>
-          </a:bodyPr>
-          <a:lstStyle>
-            <a:defPPr>
-              <a:defRPr lang="en-US"/>
-            </a:defPPr>
-            <a:lvl1pPr marL="0" algn="l" defTabSz="914400" rtl="0" eaLnBrk="1" latinLnBrk="0" hangingPunct="1">
-              <a:defRPr sz="1800" kern="1200">
-                <a:solidFill>
-                  <a:schemeClr val="lt1"/>
-                </a:solidFill>
-                <a:latin typeface="+mn-lt"/>
-                <a:ea typeface="+mn-ea"/>
-                <a:cs typeface="+mn-cs"/>
-              </a:defRPr>
-            </a:lvl1pPr>
-            <a:lvl2pPr marL="457200" algn="l" defTabSz="914400" rtl="0" eaLnBrk="1" latinLnBrk="0" hangingPunct="1">
-              <a:defRPr sz="1800" kern="1200">
-                <a:solidFill>
-                  <a:schemeClr val="lt1"/>
-                </a:solidFill>
-                <a:latin typeface="+mn-lt"/>
-                <a:ea typeface="+mn-ea"/>
-                <a:cs typeface="+mn-cs"/>
-              </a:defRPr>
-            </a:lvl2pPr>
-            <a:lvl3pPr marL="914400" algn="l" defTabSz="914400" rtl="0" eaLnBrk="1" latinLnBrk="0" hangingPunct="1">
-              <a:defRPr sz="1800" kern="1200">
-                <a:solidFill>
-                  <a:schemeClr val="lt1"/>
-                </a:solidFill>
-                <a:latin typeface="+mn-lt"/>
-                <a:ea typeface="+mn-ea"/>
-                <a:cs typeface="+mn-cs"/>
-              </a:defRPr>
-            </a:lvl3pPr>
-            <a:lvl4pPr marL="1371600" algn="l" defTabSz="914400" rtl="0" eaLnBrk="1" latinLnBrk="0" hangingPunct="1">
-              <a:defRPr sz="1800" kern="1200">
-                <a:solidFill>
-                  <a:schemeClr val="lt1"/>
-                </a:solidFill>
-                <a:latin typeface="+mn-lt"/>
-                <a:ea typeface="+mn-ea"/>
-                <a:cs typeface="+mn-cs"/>
-              </a:defRPr>
-            </a:lvl4pPr>
-            <a:lvl5pPr marL="1828800" algn="l" defTabSz="914400" rtl="0" eaLnBrk="1" latinLnBrk="0" hangingPunct="1">
-              <a:defRPr sz="1800" kern="1200">
-                <a:solidFill>
-                  <a:schemeClr val="lt1"/>
-                </a:solidFill>
-                <a:latin typeface="+mn-lt"/>
-                <a:ea typeface="+mn-ea"/>
-                <a:cs typeface="+mn-cs"/>
-              </a:defRPr>
-            </a:lvl5pPr>
-            <a:lvl6pPr marL="2286000" algn="l" defTabSz="914400" rtl="0" eaLnBrk="1" latinLnBrk="0" hangingPunct="1">
-              <a:defRPr sz="1800" kern="1200">
-                <a:solidFill>
-                  <a:schemeClr val="lt1"/>
-                </a:solidFill>
-                <a:latin typeface="+mn-lt"/>
-                <a:ea typeface="+mn-ea"/>
-                <a:cs typeface="+mn-cs"/>
-              </a:defRPr>
-            </a:lvl6pPr>
-            <a:lvl7pPr marL="2743200" algn="l" defTabSz="914400" rtl="0" eaLnBrk="1" latinLnBrk="0" hangingPunct="1">
-              <a:defRPr sz="1800" kern="1200">
-                <a:solidFill>
-                  <a:schemeClr val="lt1"/>
-                </a:solidFill>
-                <a:latin typeface="+mn-lt"/>
-                <a:ea typeface="+mn-ea"/>
-                <a:cs typeface="+mn-cs"/>
-              </a:defRPr>
-            </a:lvl7pPr>
-            <a:lvl8pPr marL="3200400" algn="l" defTabSz="914400" rtl="0" eaLnBrk="1" latinLnBrk="0" hangingPunct="1">
-              <a:defRPr sz="1800" kern="1200">
-                <a:solidFill>
-                  <a:schemeClr val="lt1"/>
-                </a:solidFill>
-                <a:latin typeface="+mn-lt"/>
-                <a:ea typeface="+mn-ea"/>
-                <a:cs typeface="+mn-cs"/>
-              </a:defRPr>
-            </a:lvl8pPr>
-            <a:lvl9pPr marL="3657600" algn="l" defTabSz="914400" rtl="0" eaLnBrk="1" latinLnBrk="0" hangingPunct="1">
-              <a:defRPr sz="1800" kern="1200">
-                <a:solidFill>
-                  <a:schemeClr val="lt1"/>
-                </a:solidFill>
-                <a:latin typeface="+mn-lt"/>
-                <a:ea typeface="+mn-ea"/>
-                <a:cs typeface="+mn-cs"/>
-              </a:defRPr>
-            </a:lvl9pPr>
-          </a:lstStyle>
-          <a:p>
-            <a:pPr algn="ctr"/>
-            <a:r>
-              <a:rPr lang="en-US" sz="1200" dirty="0"/>
-              <a:t>Spring Auto-Wiring Beans with @Autowired annotation</a:t>
-            </a:r>
-          </a:p>
-        </p:txBody>
-      </p:sp>
-      <p:sp>
-        <p:nvSpPr>
           <p:cNvPr id="5" name="Rounded Rectangle 4"/>
           <p:cNvSpPr/>
           <p:nvPr/>
@@ -4734,6 +4597,148 @@
           </a:fontRef>
         </p:style>
       </p:cxnSp>
+      <p:sp>
+        <p:nvSpPr>
+          <p:cNvPr id="9" name="Rectangle 8"/>
+          <p:cNvSpPr/>
+          <p:nvPr/>
+        </p:nvSpPr>
+        <p:spPr>
+          <a:xfrm>
+            <a:off x="2209800" y="35738"/>
+            <a:ext cx="4267200" cy="276999"/>
+          </a:xfrm>
+          <a:prstGeom prst="rect">
+            <a:avLst/>
+          </a:prstGeom>
+        </p:spPr>
+        <p:style>
+          <a:lnRef idx="1">
+            <a:schemeClr val="accent4"/>
+          </a:lnRef>
+          <a:fillRef idx="3">
+            <a:schemeClr val="accent4"/>
+          </a:fillRef>
+          <a:effectRef idx="2">
+            <a:schemeClr val="accent4"/>
+          </a:effectRef>
+          <a:fontRef idx="minor">
+            <a:schemeClr val="lt1"/>
+          </a:fontRef>
+        </p:style>
+        <p:txBody>
+          <a:bodyPr wrap="square">
+            <a:spAutoFit/>
+          </a:bodyPr>
+          <a:lstStyle>
+            <a:defPPr>
+              <a:defRPr lang="en-US"/>
+            </a:defPPr>
+            <a:lvl1pPr marL="0" algn="l" defTabSz="914400" rtl="0" eaLnBrk="1" latinLnBrk="0" hangingPunct="1">
+              <a:defRPr sz="1800" kern="1200">
+                <a:solidFill>
+                  <a:schemeClr val="lt1"/>
+                </a:solidFill>
+                <a:latin typeface="+mn-lt"/>
+                <a:ea typeface="+mn-ea"/>
+                <a:cs typeface="+mn-cs"/>
+              </a:defRPr>
+            </a:lvl1pPr>
+            <a:lvl2pPr marL="457200" algn="l" defTabSz="914400" rtl="0" eaLnBrk="1" latinLnBrk="0" hangingPunct="1">
+              <a:defRPr sz="1800" kern="1200">
+                <a:solidFill>
+                  <a:schemeClr val="lt1"/>
+                </a:solidFill>
+                <a:latin typeface="+mn-lt"/>
+                <a:ea typeface="+mn-ea"/>
+                <a:cs typeface="+mn-cs"/>
+              </a:defRPr>
+            </a:lvl2pPr>
+            <a:lvl3pPr marL="914400" algn="l" defTabSz="914400" rtl="0" eaLnBrk="1" latinLnBrk="0" hangingPunct="1">
+              <a:defRPr sz="1800" kern="1200">
+                <a:solidFill>
+                  <a:schemeClr val="lt1"/>
+                </a:solidFill>
+                <a:latin typeface="+mn-lt"/>
+                <a:ea typeface="+mn-ea"/>
+                <a:cs typeface="+mn-cs"/>
+              </a:defRPr>
+            </a:lvl3pPr>
+            <a:lvl4pPr marL="1371600" algn="l" defTabSz="914400" rtl="0" eaLnBrk="1" latinLnBrk="0" hangingPunct="1">
+              <a:defRPr sz="1800" kern="1200">
+                <a:solidFill>
+                  <a:schemeClr val="lt1"/>
+                </a:solidFill>
+                <a:latin typeface="+mn-lt"/>
+                <a:ea typeface="+mn-ea"/>
+                <a:cs typeface="+mn-cs"/>
+              </a:defRPr>
+            </a:lvl4pPr>
+            <a:lvl5pPr marL="1828800" algn="l" defTabSz="914400" rtl="0" eaLnBrk="1" latinLnBrk="0" hangingPunct="1">
+              <a:defRPr sz="1800" kern="1200">
+                <a:solidFill>
+                  <a:schemeClr val="lt1"/>
+                </a:solidFill>
+                <a:latin typeface="+mn-lt"/>
+                <a:ea typeface="+mn-ea"/>
+                <a:cs typeface="+mn-cs"/>
+              </a:defRPr>
+            </a:lvl5pPr>
+            <a:lvl6pPr marL="2286000" algn="l" defTabSz="914400" rtl="0" eaLnBrk="1" latinLnBrk="0" hangingPunct="1">
+              <a:defRPr sz="1800" kern="1200">
+                <a:solidFill>
+                  <a:schemeClr val="lt1"/>
+                </a:solidFill>
+                <a:latin typeface="+mn-lt"/>
+                <a:ea typeface="+mn-ea"/>
+                <a:cs typeface="+mn-cs"/>
+              </a:defRPr>
+            </a:lvl6pPr>
+            <a:lvl7pPr marL="2743200" algn="l" defTabSz="914400" rtl="0" eaLnBrk="1" latinLnBrk="0" hangingPunct="1">
+              <a:defRPr sz="1800" kern="1200">
+                <a:solidFill>
+                  <a:schemeClr val="lt1"/>
+                </a:solidFill>
+                <a:latin typeface="+mn-lt"/>
+                <a:ea typeface="+mn-ea"/>
+                <a:cs typeface="+mn-cs"/>
+              </a:defRPr>
+            </a:lvl7pPr>
+            <a:lvl8pPr marL="3200400" algn="l" defTabSz="914400" rtl="0" eaLnBrk="1" latinLnBrk="0" hangingPunct="1">
+              <a:defRPr sz="1800" kern="1200">
+                <a:solidFill>
+                  <a:schemeClr val="lt1"/>
+                </a:solidFill>
+                <a:latin typeface="+mn-lt"/>
+                <a:ea typeface="+mn-ea"/>
+                <a:cs typeface="+mn-cs"/>
+              </a:defRPr>
+            </a:lvl8pPr>
+            <a:lvl9pPr marL="3657600" algn="l" defTabSz="914400" rtl="0" eaLnBrk="1" latinLnBrk="0" hangingPunct="1">
+              <a:defRPr sz="1800" kern="1200">
+                <a:solidFill>
+                  <a:schemeClr val="lt1"/>
+                </a:solidFill>
+                <a:latin typeface="+mn-lt"/>
+                <a:ea typeface="+mn-ea"/>
+                <a:cs typeface="+mn-cs"/>
+              </a:defRPr>
+            </a:lvl9pPr>
+          </a:lstStyle>
+          <a:p>
+            <a:pPr algn="ctr"/>
+            <a:r>
+              <a:rPr lang="en-US" sz="1200" dirty="0"/>
+              <a:t>Spring Auto-Wiring Beans with @Autowired </a:t>
+            </a:r>
+            <a:r>
+              <a:rPr lang="en-US" sz="1200" dirty="0" smtClean="0"/>
+              <a:t>annotation in field</a:t>
+            </a:r>
+            <a:endParaRPr lang="en-US" sz="1200" dirty="0"/>
+          </a:p>
+        </p:txBody>
+      </p:sp>
     </p:spTree>
     <p:extLst>
       <p:ext uri="{BB962C8B-B14F-4D97-AF65-F5344CB8AC3E}">
@@ -4893,143 +4898,6 @@
           <a:lstStyle/>
           <a:p>
             <a:endParaRPr lang="en-US" dirty="0"/>
-          </a:p>
-        </p:txBody>
-      </p:sp>
-      <p:sp>
-        <p:nvSpPr>
-          <p:cNvPr id="10" name="Rectangle 9"/>
-          <p:cNvSpPr/>
-          <p:nvPr/>
-        </p:nvSpPr>
-        <p:spPr>
-          <a:xfrm>
-            <a:off x="2667000" y="35738"/>
-            <a:ext cx="3810000" cy="276999"/>
-          </a:xfrm>
-          <a:prstGeom prst="rect">
-            <a:avLst/>
-          </a:prstGeom>
-        </p:spPr>
-        <p:style>
-          <a:lnRef idx="1">
-            <a:schemeClr val="accent4"/>
-          </a:lnRef>
-          <a:fillRef idx="3">
-            <a:schemeClr val="accent4"/>
-          </a:fillRef>
-          <a:effectRef idx="2">
-            <a:schemeClr val="accent4"/>
-          </a:effectRef>
-          <a:fontRef idx="minor">
-            <a:schemeClr val="lt1"/>
-          </a:fontRef>
-        </p:style>
-        <p:txBody>
-          <a:bodyPr wrap="square">
-            <a:spAutoFit/>
-          </a:bodyPr>
-          <a:lstStyle>
-            <a:defPPr>
-              <a:defRPr lang="en-US"/>
-            </a:defPPr>
-            <a:lvl1pPr marL="0" algn="l" defTabSz="914400" rtl="0" eaLnBrk="1" latinLnBrk="0" hangingPunct="1">
-              <a:defRPr sz="1800" kern="1200">
-                <a:solidFill>
-                  <a:schemeClr val="lt1"/>
-                </a:solidFill>
-                <a:latin typeface="+mn-lt"/>
-                <a:ea typeface="+mn-ea"/>
-                <a:cs typeface="+mn-cs"/>
-              </a:defRPr>
-            </a:lvl1pPr>
-            <a:lvl2pPr marL="457200" algn="l" defTabSz="914400" rtl="0" eaLnBrk="1" latinLnBrk="0" hangingPunct="1">
-              <a:defRPr sz="1800" kern="1200">
-                <a:solidFill>
-                  <a:schemeClr val="lt1"/>
-                </a:solidFill>
-                <a:latin typeface="+mn-lt"/>
-                <a:ea typeface="+mn-ea"/>
-                <a:cs typeface="+mn-cs"/>
-              </a:defRPr>
-            </a:lvl2pPr>
-            <a:lvl3pPr marL="914400" algn="l" defTabSz="914400" rtl="0" eaLnBrk="1" latinLnBrk="0" hangingPunct="1">
-              <a:defRPr sz="1800" kern="1200">
-                <a:solidFill>
-                  <a:schemeClr val="lt1"/>
-                </a:solidFill>
-                <a:latin typeface="+mn-lt"/>
-                <a:ea typeface="+mn-ea"/>
-                <a:cs typeface="+mn-cs"/>
-              </a:defRPr>
-            </a:lvl3pPr>
-            <a:lvl4pPr marL="1371600" algn="l" defTabSz="914400" rtl="0" eaLnBrk="1" latinLnBrk="0" hangingPunct="1">
-              <a:defRPr sz="1800" kern="1200">
-                <a:solidFill>
-                  <a:schemeClr val="lt1"/>
-                </a:solidFill>
-                <a:latin typeface="+mn-lt"/>
-                <a:ea typeface="+mn-ea"/>
-                <a:cs typeface="+mn-cs"/>
-              </a:defRPr>
-            </a:lvl4pPr>
-            <a:lvl5pPr marL="1828800" algn="l" defTabSz="914400" rtl="0" eaLnBrk="1" latinLnBrk="0" hangingPunct="1">
-              <a:defRPr sz="1800" kern="1200">
-                <a:solidFill>
-                  <a:schemeClr val="lt1"/>
-                </a:solidFill>
-                <a:latin typeface="+mn-lt"/>
-                <a:ea typeface="+mn-ea"/>
-                <a:cs typeface="+mn-cs"/>
-              </a:defRPr>
-            </a:lvl5pPr>
-            <a:lvl6pPr marL="2286000" algn="l" defTabSz="914400" rtl="0" eaLnBrk="1" latinLnBrk="0" hangingPunct="1">
-              <a:defRPr sz="1800" kern="1200">
-                <a:solidFill>
-                  <a:schemeClr val="lt1"/>
-                </a:solidFill>
-                <a:latin typeface="+mn-lt"/>
-                <a:ea typeface="+mn-ea"/>
-                <a:cs typeface="+mn-cs"/>
-              </a:defRPr>
-            </a:lvl6pPr>
-            <a:lvl7pPr marL="2743200" algn="l" defTabSz="914400" rtl="0" eaLnBrk="1" latinLnBrk="0" hangingPunct="1">
-              <a:defRPr sz="1800" kern="1200">
-                <a:solidFill>
-                  <a:schemeClr val="lt1"/>
-                </a:solidFill>
-                <a:latin typeface="+mn-lt"/>
-                <a:ea typeface="+mn-ea"/>
-                <a:cs typeface="+mn-cs"/>
-              </a:defRPr>
-            </a:lvl7pPr>
-            <a:lvl8pPr marL="3200400" algn="l" defTabSz="914400" rtl="0" eaLnBrk="1" latinLnBrk="0" hangingPunct="1">
-              <a:defRPr sz="1800" kern="1200">
-                <a:solidFill>
-                  <a:schemeClr val="lt1"/>
-                </a:solidFill>
-                <a:latin typeface="+mn-lt"/>
-                <a:ea typeface="+mn-ea"/>
-                <a:cs typeface="+mn-cs"/>
-              </a:defRPr>
-            </a:lvl8pPr>
-            <a:lvl9pPr marL="3657600" algn="l" defTabSz="914400" rtl="0" eaLnBrk="1" latinLnBrk="0" hangingPunct="1">
-              <a:defRPr sz="1800" kern="1200">
-                <a:solidFill>
-                  <a:schemeClr val="lt1"/>
-                </a:solidFill>
-                <a:latin typeface="+mn-lt"/>
-                <a:ea typeface="+mn-ea"/>
-                <a:cs typeface="+mn-cs"/>
-              </a:defRPr>
-            </a:lvl9pPr>
-          </a:lstStyle>
-          <a:p>
-            <a:pPr algn="ctr"/>
-            <a:r>
-              <a:rPr lang="en-US" sz="1200" dirty="0"/>
-              <a:t>Spring Auto-Wiring Beans with @Autowired annotation</a:t>
-            </a:r>
           </a:p>
         </p:txBody>
       </p:sp>
@@ -5125,6 +4993,148 @@
           </a:fontRef>
         </p:style>
       </p:pic>
+      <p:sp>
+        <p:nvSpPr>
+          <p:cNvPr id="8" name="Rectangle 7"/>
+          <p:cNvSpPr/>
+          <p:nvPr/>
+        </p:nvSpPr>
+        <p:spPr>
+          <a:xfrm>
+            <a:off x="2209800" y="35738"/>
+            <a:ext cx="4267200" cy="276999"/>
+          </a:xfrm>
+          <a:prstGeom prst="rect">
+            <a:avLst/>
+          </a:prstGeom>
+        </p:spPr>
+        <p:style>
+          <a:lnRef idx="1">
+            <a:schemeClr val="accent4"/>
+          </a:lnRef>
+          <a:fillRef idx="3">
+            <a:schemeClr val="accent4"/>
+          </a:fillRef>
+          <a:effectRef idx="2">
+            <a:schemeClr val="accent4"/>
+          </a:effectRef>
+          <a:fontRef idx="minor">
+            <a:schemeClr val="lt1"/>
+          </a:fontRef>
+        </p:style>
+        <p:txBody>
+          <a:bodyPr wrap="square">
+            <a:spAutoFit/>
+          </a:bodyPr>
+          <a:lstStyle>
+            <a:defPPr>
+              <a:defRPr lang="en-US"/>
+            </a:defPPr>
+            <a:lvl1pPr marL="0" algn="l" defTabSz="914400" rtl="0" eaLnBrk="1" latinLnBrk="0" hangingPunct="1">
+              <a:defRPr sz="1800" kern="1200">
+                <a:solidFill>
+                  <a:schemeClr val="lt1"/>
+                </a:solidFill>
+                <a:latin typeface="+mn-lt"/>
+                <a:ea typeface="+mn-ea"/>
+                <a:cs typeface="+mn-cs"/>
+              </a:defRPr>
+            </a:lvl1pPr>
+            <a:lvl2pPr marL="457200" algn="l" defTabSz="914400" rtl="0" eaLnBrk="1" latinLnBrk="0" hangingPunct="1">
+              <a:defRPr sz="1800" kern="1200">
+                <a:solidFill>
+                  <a:schemeClr val="lt1"/>
+                </a:solidFill>
+                <a:latin typeface="+mn-lt"/>
+                <a:ea typeface="+mn-ea"/>
+                <a:cs typeface="+mn-cs"/>
+              </a:defRPr>
+            </a:lvl2pPr>
+            <a:lvl3pPr marL="914400" algn="l" defTabSz="914400" rtl="0" eaLnBrk="1" latinLnBrk="0" hangingPunct="1">
+              <a:defRPr sz="1800" kern="1200">
+                <a:solidFill>
+                  <a:schemeClr val="lt1"/>
+                </a:solidFill>
+                <a:latin typeface="+mn-lt"/>
+                <a:ea typeface="+mn-ea"/>
+                <a:cs typeface="+mn-cs"/>
+              </a:defRPr>
+            </a:lvl3pPr>
+            <a:lvl4pPr marL="1371600" algn="l" defTabSz="914400" rtl="0" eaLnBrk="1" latinLnBrk="0" hangingPunct="1">
+              <a:defRPr sz="1800" kern="1200">
+                <a:solidFill>
+                  <a:schemeClr val="lt1"/>
+                </a:solidFill>
+                <a:latin typeface="+mn-lt"/>
+                <a:ea typeface="+mn-ea"/>
+                <a:cs typeface="+mn-cs"/>
+              </a:defRPr>
+            </a:lvl4pPr>
+            <a:lvl5pPr marL="1828800" algn="l" defTabSz="914400" rtl="0" eaLnBrk="1" latinLnBrk="0" hangingPunct="1">
+              <a:defRPr sz="1800" kern="1200">
+                <a:solidFill>
+                  <a:schemeClr val="lt1"/>
+                </a:solidFill>
+                <a:latin typeface="+mn-lt"/>
+                <a:ea typeface="+mn-ea"/>
+                <a:cs typeface="+mn-cs"/>
+              </a:defRPr>
+            </a:lvl5pPr>
+            <a:lvl6pPr marL="2286000" algn="l" defTabSz="914400" rtl="0" eaLnBrk="1" latinLnBrk="0" hangingPunct="1">
+              <a:defRPr sz="1800" kern="1200">
+                <a:solidFill>
+                  <a:schemeClr val="lt1"/>
+                </a:solidFill>
+                <a:latin typeface="+mn-lt"/>
+                <a:ea typeface="+mn-ea"/>
+                <a:cs typeface="+mn-cs"/>
+              </a:defRPr>
+            </a:lvl6pPr>
+            <a:lvl7pPr marL="2743200" algn="l" defTabSz="914400" rtl="0" eaLnBrk="1" latinLnBrk="0" hangingPunct="1">
+              <a:defRPr sz="1800" kern="1200">
+                <a:solidFill>
+                  <a:schemeClr val="lt1"/>
+                </a:solidFill>
+                <a:latin typeface="+mn-lt"/>
+                <a:ea typeface="+mn-ea"/>
+                <a:cs typeface="+mn-cs"/>
+              </a:defRPr>
+            </a:lvl7pPr>
+            <a:lvl8pPr marL="3200400" algn="l" defTabSz="914400" rtl="0" eaLnBrk="1" latinLnBrk="0" hangingPunct="1">
+              <a:defRPr sz="1800" kern="1200">
+                <a:solidFill>
+                  <a:schemeClr val="lt1"/>
+                </a:solidFill>
+                <a:latin typeface="+mn-lt"/>
+                <a:ea typeface="+mn-ea"/>
+                <a:cs typeface="+mn-cs"/>
+              </a:defRPr>
+            </a:lvl8pPr>
+            <a:lvl9pPr marL="3657600" algn="l" defTabSz="914400" rtl="0" eaLnBrk="1" latinLnBrk="0" hangingPunct="1">
+              <a:defRPr sz="1800" kern="1200">
+                <a:solidFill>
+                  <a:schemeClr val="lt1"/>
+                </a:solidFill>
+                <a:latin typeface="+mn-lt"/>
+                <a:ea typeface="+mn-ea"/>
+                <a:cs typeface="+mn-cs"/>
+              </a:defRPr>
+            </a:lvl9pPr>
+          </a:lstStyle>
+          <a:p>
+            <a:pPr algn="ctr"/>
+            <a:r>
+              <a:rPr lang="en-US" sz="1200" dirty="0"/>
+              <a:t>Spring Auto-Wiring Beans with @Autowired </a:t>
+            </a:r>
+            <a:r>
+              <a:rPr lang="en-US" sz="1200" dirty="0" smtClean="0"/>
+              <a:t>annotation in field</a:t>
+            </a:r>
+            <a:endParaRPr lang="en-US" sz="1200" dirty="0"/>
+          </a:p>
+        </p:txBody>
+      </p:sp>
     </p:spTree>
     <p:extLst>
       <p:ext uri="{BB962C8B-B14F-4D97-AF65-F5344CB8AC3E}">
